--- a/documents/breast_cancer_ppt_main.pptx
+++ b/documents/breast_cancer_ppt_main.pptx
@@ -16,17 +16,18 @@
     <p:sldId id="294" r:id="rId10"/>
     <p:sldId id="295" r:id="rId11"/>
     <p:sldId id="272" r:id="rId12"/>
-    <p:sldId id="296" r:id="rId13"/>
-    <p:sldId id="297" r:id="rId14"/>
-    <p:sldId id="298" r:id="rId15"/>
-    <p:sldId id="299" r:id="rId16"/>
-    <p:sldId id="281" r:id="rId17"/>
-    <p:sldId id="282" r:id="rId18"/>
-    <p:sldId id="288" r:id="rId19"/>
-    <p:sldId id="289" r:id="rId20"/>
-    <p:sldId id="292" r:id="rId21"/>
-    <p:sldId id="291" r:id="rId22"/>
-    <p:sldId id="273" r:id="rId23"/>
+    <p:sldId id="300" r:id="rId13"/>
+    <p:sldId id="296" r:id="rId14"/>
+    <p:sldId id="297" r:id="rId15"/>
+    <p:sldId id="298" r:id="rId16"/>
+    <p:sldId id="299" r:id="rId17"/>
+    <p:sldId id="281" r:id="rId18"/>
+    <p:sldId id="282" r:id="rId19"/>
+    <p:sldId id="288" r:id="rId20"/>
+    <p:sldId id="289" r:id="rId21"/>
+    <p:sldId id="292" r:id="rId22"/>
+    <p:sldId id="291" r:id="rId23"/>
+    <p:sldId id="273" r:id="rId24"/>
   </p:sldIdLst>
   <p:sldSz cx="12192000" cy="6858000"/>
   <p:notesSz cx="12192000" cy="6858000"/>
@@ -127,7 +128,7 @@
   </p:defaultTextStyle>
   <p:extLst>
     <p:ext uri="{EFAFB233-063F-42B5-8137-9DF3F51BA10A}">
-      <p15:sldGuideLst xmlns:p15="http://schemas.microsoft.com/office/powerpoint/2012/main">
+      <p15:sldGuideLst xmlns="" xmlns:p15="http://schemas.microsoft.com/office/powerpoint/2012/main">
         <p15:guide id="1" orient="horz" pos="2880">
           <p15:clr>
             <a:srgbClr val="A4A3A4"/>
@@ -14960,6 +14961,13 @@
   <p:transition spd="med">
     <p:dissolve/>
   </p:transition>
+  <p:timing>
+    <p:tnLst>
+      <p:par>
+        <p:cTn id="1" dur="indefinite" restart="never" nodeType="tmRoot"/>
+      </p:par>
+    </p:tnLst>
+  </p:timing>
 </p:sld>
 </file>
 
@@ -15450,6 +15458,13 @@
   <p:transition spd="med">
     <p:checker dir="vert"/>
   </p:transition>
+  <p:timing>
+    <p:tnLst>
+      <p:par>
+        <p:cTn id="1" dur="indefinite" restart="never" nodeType="tmRoot"/>
+      </p:par>
+    </p:tnLst>
+  </p:timing>
 </p:sld>
 </file>
 
@@ -19137,7 +19152,7 @@
         <p:spPr>
           <a:xfrm>
             <a:off x="3505200" y="692861"/>
-            <a:ext cx="5029200" cy="566822"/>
+            <a:ext cx="5029200" cy="536044"/>
           </a:xfrm>
           <a:prstGeom prst="rect">
             <a:avLst/>
@@ -19158,41 +19173,41 @@
               </a:spcBef>
             </a:pPr>
             <a:r>
-              <a:rPr lang="en-GB" sz="3600" b="0" u="sng" spc="-30" dirty="0">
+              <a:rPr lang="en-GB" u="sng" spc="-30" dirty="0" smtClean="0">
                 <a:latin typeface="+mn-lt"/>
                 <a:cs typeface="Caladea"/>
               </a:rPr>
               <a:t>Best Model </a:t>
             </a:r>
             <a:r>
-              <a:rPr sz="3600" b="0" u="sng" spc="-30" dirty="0">
+              <a:rPr u="sng" spc="-30" smtClean="0">
                 <a:latin typeface="+mn-lt"/>
                 <a:cs typeface="Caladea"/>
               </a:rPr>
               <a:t>A</a:t>
             </a:r>
             <a:r>
-              <a:rPr sz="3600" b="0" u="sng" dirty="0">
+              <a:rPr u="sng" smtClean="0">
                 <a:latin typeface="+mn-lt"/>
                 <a:cs typeface="Caladea"/>
               </a:rPr>
               <a:t>ccu</a:t>
             </a:r>
             <a:r>
-              <a:rPr sz="3600" b="0" u="sng" spc="-70" dirty="0">
+              <a:rPr u="sng" spc="-70" smtClean="0">
                 <a:latin typeface="+mn-lt"/>
                 <a:cs typeface="Caladea"/>
               </a:rPr>
               <a:t>r</a:t>
             </a:r>
             <a:r>
-              <a:rPr sz="3600" b="0" u="sng" spc="-5" dirty="0">
+              <a:rPr u="sng" spc="-5" smtClean="0">
                 <a:latin typeface="+mn-lt"/>
                 <a:cs typeface="Caladea"/>
               </a:rPr>
               <a:t>acy</a:t>
             </a:r>
-            <a:endParaRPr sz="3600" u="sng" dirty="0">
+            <a:endParaRPr u="sng" dirty="0">
               <a:latin typeface="+mn-lt"/>
               <a:cs typeface="Caladea"/>
             </a:endParaRPr>
@@ -19459,10 +19474,200 @@
   <p:transition spd="med">
     <p:wheel spokes="2"/>
   </p:transition>
+  <p:timing>
+    <p:tnLst>
+      <p:par>
+        <p:cTn id="1" dur="indefinite" restart="never" nodeType="tmRoot"/>
+      </p:par>
+    </p:tnLst>
+  </p:timing>
 </p:sld>
 </file>
 
 <file path=ppt/slides/slide12.xml><?xml version="1.0" encoding="utf-8"?>
+<p:sld xmlns:a="http://schemas.openxmlformats.org/drawingml/2006/main" xmlns:r="http://schemas.openxmlformats.org/officeDocument/2006/relationships" xmlns:p="http://schemas.openxmlformats.org/presentationml/2006/main">
+  <p:cSld>
+    <p:spTree>
+      <p:nvGrpSpPr>
+        <p:cNvPr id="1" name=""/>
+        <p:cNvGrpSpPr/>
+        <p:nvPr/>
+      </p:nvGrpSpPr>
+      <p:grpSpPr>
+        <a:xfrm>
+          <a:off x="0" y="0"/>
+          <a:ext cx="0" cy="0"/>
+          <a:chOff x="0" y="0"/>
+          <a:chExt cx="0" cy="0"/>
+        </a:xfrm>
+      </p:grpSpPr>
+      <p:sp>
+        <p:nvSpPr>
+          <p:cNvPr id="2" name="Title 1"/>
+          <p:cNvSpPr>
+            <a:spLocks noGrp="1"/>
+          </p:cNvSpPr>
+          <p:nvPr>
+            <p:ph type="title"/>
+          </p:nvPr>
+        </p:nvSpPr>
+        <p:spPr>
+          <a:xfrm>
+            <a:off x="1595406" y="0"/>
+            <a:ext cx="8986011" cy="523220"/>
+          </a:xfrm>
+        </p:spPr>
+        <p:txBody>
+          <a:bodyPr/>
+          <a:lstStyle/>
+          <a:p>
+            <a:pPr algn="ctr"/>
+            <a:r>
+              <a:rPr lang="en-GB" u="sng" dirty="0" smtClean="0">
+                <a:latin typeface="+mn-lt"/>
+              </a:rPr>
+              <a:t>Explanation of Random Forest Algorithm</a:t>
+            </a:r>
+            <a:endParaRPr lang="en-GB" u="sng" dirty="0">
+              <a:latin typeface="+mn-lt"/>
+            </a:endParaRPr>
+          </a:p>
+        </p:txBody>
+      </p:sp>
+      <p:sp>
+        <p:nvSpPr>
+          <p:cNvPr id="5" name="Rectangle 4"/>
+          <p:cNvSpPr/>
+          <p:nvPr/>
+        </p:nvSpPr>
+        <p:spPr>
+          <a:xfrm>
+            <a:off x="1905000" y="6581001"/>
+            <a:ext cx="1144737" cy="276999"/>
+          </a:xfrm>
+          <a:prstGeom prst="rect">
+            <a:avLst/>
+          </a:prstGeom>
+        </p:spPr>
+        <p:txBody>
+          <a:bodyPr wrap="none">
+            <a:spAutoFit/>
+          </a:bodyPr>
+          <a:lstStyle/>
+          <a:p>
+            <a:pPr marL="12700">
+              <a:lnSpc>
+                <a:spcPct val="100000"/>
+              </a:lnSpc>
+              <a:spcBef>
+                <a:spcPts val="40"/>
+              </a:spcBef>
+            </a:pPr>
+            <a:r>
+              <a:rPr lang="en-GB" sz="1200" spc="-5" dirty="0" err="1"/>
+              <a:t>Hemant</a:t>
+            </a:r>
+            <a:r>
+              <a:rPr lang="en-GB" sz="1200" spc="-5" dirty="0"/>
+              <a:t> &amp; Jane</a:t>
+            </a:r>
+          </a:p>
+        </p:txBody>
+      </p:sp>
+      <p:sp>
+        <p:nvSpPr>
+          <p:cNvPr id="7" name="object 45"/>
+          <p:cNvSpPr txBox="1">
+            <a:spLocks noGrp="1"/>
+          </p:cNvSpPr>
+          <p:nvPr>
+            <p:ph type="sldNum" sz="quarter" idx="7"/>
+          </p:nvPr>
+        </p:nvSpPr>
+        <p:spPr>
+          <a:xfrm>
+            <a:off x="10367518" y="6620937"/>
+            <a:ext cx="244475" cy="204470"/>
+          </a:xfrm>
+          <a:prstGeom prst="rect">
+            <a:avLst/>
+          </a:prstGeom>
+        </p:spPr>
+        <p:txBody>
+          <a:bodyPr vert="horz" wrap="square" lIns="0" tIns="5080" rIns="0" bIns="0" rtlCol="0">
+            <a:spAutoFit/>
+          </a:bodyPr>
+          <a:lstStyle/>
+          <a:p>
+            <a:pPr marL="38100">
+              <a:lnSpc>
+                <a:spcPct val="100000"/>
+              </a:lnSpc>
+              <a:spcBef>
+                <a:spcPts val="40"/>
+              </a:spcBef>
+            </a:pPr>
+            <a:fld id="{81D60167-4931-47E6-BA6A-407CBD079E47}" type="slidenum">
+              <a:rPr spc="-5" dirty="0"/>
+              <a:pPr marL="38100">
+                <a:lnSpc>
+                  <a:spcPct val="100000"/>
+                </a:lnSpc>
+                <a:spcBef>
+                  <a:spcPts val="40"/>
+                </a:spcBef>
+              </a:pPr>
+              <a:t>12</a:t>
+            </a:fld>
+            <a:endParaRPr spc="-5" dirty="0"/>
+          </a:p>
+        </p:txBody>
+      </p:sp>
+      <p:pic>
+        <p:nvPicPr>
+          <p:cNvPr id="1026" name="Picture 2" descr="C:\Users\jane alam\Downloads\Blank Diagram.jpeg"/>
+          <p:cNvPicPr>
+            <a:picLocks noChangeAspect="1" noChangeArrowheads="1"/>
+          </p:cNvPicPr>
+          <p:nvPr/>
+        </p:nvPicPr>
+        <p:blipFill>
+          <a:blip r:embed="rId2"/>
+          <a:srcRect/>
+          <a:stretch>
+            <a:fillRect/>
+          </a:stretch>
+        </p:blipFill>
+        <p:spPr bwMode="auto">
+          <a:xfrm>
+            <a:off x="666712" y="685800"/>
+            <a:ext cx="10801388" cy="5886472"/>
+          </a:xfrm>
+          <a:prstGeom prst="rect">
+            <a:avLst/>
+          </a:prstGeom>
+          <a:noFill/>
+        </p:spPr>
+      </p:pic>
+    </p:spTree>
+  </p:cSld>
+  <p:clrMapOvr>
+    <a:masterClrMapping/>
+  </p:clrMapOvr>
+  <p:transition spd="med">
+    <p:blinds dir="vert"/>
+  </p:transition>
+  <p:timing>
+    <p:tnLst>
+      <p:par>
+        <p:cTn id="1" dur="indefinite" restart="never" nodeType="tmRoot"/>
+      </p:par>
+    </p:tnLst>
+  </p:timing>
+</p:sld>
+</file>
+
+<file path=ppt/slides/slide13.xml><?xml version="1.0" encoding="utf-8"?>
 <p:sld xmlns:a="http://schemas.openxmlformats.org/drawingml/2006/main" xmlns:r="http://schemas.openxmlformats.org/officeDocument/2006/relationships" xmlns:p="http://schemas.openxmlformats.org/presentationml/2006/main">
   <p:cSld>
     <p:spTree>
@@ -19484,7 +19689,7 @@
           <p:cNvPr id="6" name="Picture 5">
             <a:extLst>
               <a:ext uri="{FF2B5EF4-FFF2-40B4-BE49-F238E27FC236}">
-                <a16:creationId xmlns:a16="http://schemas.microsoft.com/office/drawing/2014/main" id="{C74E1773-7326-420E-A887-9FBB8498B5ED}"/>
+                <a16:creationId xmlns="" xmlns:a16="http://schemas.microsoft.com/office/drawing/2014/main" id="{C74E1773-7326-420E-A887-9FBB8498B5ED}"/>
               </a:ext>
             </a:extLst>
           </p:cNvPr>
@@ -19514,7 +19719,7 @@
           <p:cNvPr id="7" name="object 37">
             <a:extLst>
               <a:ext uri="{FF2B5EF4-FFF2-40B4-BE49-F238E27FC236}">
-                <a16:creationId xmlns:a16="http://schemas.microsoft.com/office/drawing/2014/main" id="{5EB14E87-6E91-4C91-B4BF-651842591A1E}"/>
+                <a16:creationId xmlns="" xmlns:a16="http://schemas.microsoft.com/office/drawing/2014/main" id="{5EB14E87-6E91-4C91-B4BF-651842591A1E}"/>
               </a:ext>
             </a:extLst>
           </p:cNvPr>
@@ -19528,7 +19733,7 @@
         <p:spPr>
           <a:xfrm>
             <a:off x="3359696" y="125914"/>
-            <a:ext cx="5029200" cy="566822"/>
+            <a:ext cx="5029200" cy="536044"/>
           </a:xfrm>
           <a:prstGeom prst="rect">
             <a:avLst/>
@@ -19549,32 +19754,131 @@
               </a:spcBef>
             </a:pPr>
             <a:r>
-              <a:rPr lang="en-US" sz="3600" b="0" u="sng" spc="-30" dirty="0">
+              <a:rPr lang="en-US" u="sng" spc="-30" dirty="0" smtClean="0">
                 <a:latin typeface="+mn-lt"/>
               </a:rPr>
               <a:t>Web App</a:t>
             </a:r>
-            <a:endParaRPr sz="3600" u="sng" dirty="0">
+            <a:endParaRPr u="sng" dirty="0">
               <a:latin typeface="+mn-lt"/>
               <a:cs typeface="Caladea"/>
             </a:endParaRPr>
+          </a:p>
+        </p:txBody>
+      </p:sp>
+      <p:sp>
+        <p:nvSpPr>
+          <p:cNvPr id="4" name="Rectangle 3"/>
+          <p:cNvSpPr/>
+          <p:nvPr/>
+        </p:nvSpPr>
+        <p:spPr>
+          <a:xfrm>
+            <a:off x="1447800" y="6581001"/>
+            <a:ext cx="1144737" cy="276999"/>
+          </a:xfrm>
+          <a:prstGeom prst="rect">
+            <a:avLst/>
+          </a:prstGeom>
+        </p:spPr>
+        <p:txBody>
+          <a:bodyPr wrap="none">
+            <a:spAutoFit/>
+          </a:bodyPr>
+          <a:lstStyle/>
+          <a:p>
+            <a:pPr marL="12700">
+              <a:lnSpc>
+                <a:spcPct val="100000"/>
+              </a:lnSpc>
+              <a:spcBef>
+                <a:spcPts val="40"/>
+              </a:spcBef>
+            </a:pPr>
+            <a:r>
+              <a:rPr lang="en-GB" sz="1200" spc="-5" dirty="0" err="1"/>
+              <a:t>Hemant</a:t>
+            </a:r>
+            <a:r>
+              <a:rPr lang="en-GB" sz="1200" spc="-5" dirty="0"/>
+              <a:t> &amp; Jane</a:t>
+            </a:r>
+          </a:p>
+        </p:txBody>
+      </p:sp>
+      <p:sp>
+        <p:nvSpPr>
+          <p:cNvPr id="5" name="object 43"/>
+          <p:cNvSpPr txBox="1">
+            <a:spLocks noGrp="1"/>
+          </p:cNvSpPr>
+          <p:nvPr>
+            <p:ph type="sldNum" sz="quarter" idx="7"/>
+          </p:nvPr>
+        </p:nvSpPr>
+        <p:spPr>
+          <a:xfrm>
+            <a:off x="10367518" y="6620937"/>
+            <a:ext cx="244475" cy="204470"/>
+          </a:xfrm>
+          <a:prstGeom prst="rect">
+            <a:avLst/>
+          </a:prstGeom>
+        </p:spPr>
+        <p:txBody>
+          <a:bodyPr vert="horz" wrap="square" lIns="0" tIns="5080" rIns="0" bIns="0" rtlCol="0">
+            <a:spAutoFit/>
+          </a:bodyPr>
+          <a:lstStyle/>
+          <a:p>
+            <a:pPr marL="38100">
+              <a:lnSpc>
+                <a:spcPct val="100000"/>
+              </a:lnSpc>
+              <a:spcBef>
+                <a:spcPts val="40"/>
+              </a:spcBef>
+            </a:pPr>
+            <a:fld id="{81D60167-4931-47E6-BA6A-407CBD079E47}" type="slidenum">
+              <a:rPr spc="-5" dirty="0"/>
+              <a:pPr marL="38100">
+                <a:lnSpc>
+                  <a:spcPct val="100000"/>
+                </a:lnSpc>
+                <a:spcBef>
+                  <a:spcPts val="40"/>
+                </a:spcBef>
+              </a:pPr>
+              <a:t>13</a:t>
+            </a:fld>
+            <a:endParaRPr spc="-5" dirty="0"/>
           </a:p>
         </p:txBody>
       </p:sp>
     </p:spTree>
     <p:extLst>
       <p:ext uri="{BB962C8B-B14F-4D97-AF65-F5344CB8AC3E}">
-        <p14:creationId xmlns:p14="http://schemas.microsoft.com/office/powerpoint/2010/main" val="2982831347"/>
+        <p14:creationId xmlns="" xmlns:p14="http://schemas.microsoft.com/office/powerpoint/2010/main" val="2982831347"/>
       </p:ext>
     </p:extLst>
   </p:cSld>
   <p:clrMapOvr>
     <a:masterClrMapping/>
   </p:clrMapOvr>
+  <p:transition spd="med">
+    <p:wheel spokes="3"/>
+  </p:transition>
+  <p:timing>
+    <p:tnLst>
+      <p:par>
+        <p:cTn id="1" dur="indefinite" restart="never" nodeType="tmRoot"/>
+      </p:par>
+    </p:tnLst>
+  </p:timing>
 </p:sld>
 </file>
 
-<file path=ppt/slides/slide13.xml><?xml version="1.0" encoding="utf-8"?>
+<file path=ppt/slides/slide14.xml><?xml version="1.0" encoding="utf-8"?>
 <p:sld xmlns:a="http://schemas.openxmlformats.org/drawingml/2006/main" xmlns:r="http://schemas.openxmlformats.org/officeDocument/2006/relationships" xmlns:p="http://schemas.openxmlformats.org/presentationml/2006/main">
   <p:cSld>
     <p:spTree>
@@ -19596,7 +19900,7 @@
           <p:cNvPr id="2" name="Picture 1">
             <a:extLst>
               <a:ext uri="{FF2B5EF4-FFF2-40B4-BE49-F238E27FC236}">
-                <a16:creationId xmlns:a16="http://schemas.microsoft.com/office/drawing/2014/main" id="{F100583E-E620-4691-8152-6B63F1BCEA81}"/>
+                <a16:creationId xmlns="" xmlns:a16="http://schemas.microsoft.com/office/drawing/2014/main" id="{F100583E-E620-4691-8152-6B63F1BCEA81}"/>
               </a:ext>
             </a:extLst>
           </p:cNvPr>
@@ -19626,7 +19930,7 @@
           <p:cNvPr id="4" name="object 37">
             <a:extLst>
               <a:ext uri="{FF2B5EF4-FFF2-40B4-BE49-F238E27FC236}">
-                <a16:creationId xmlns:a16="http://schemas.microsoft.com/office/drawing/2014/main" id="{6436B395-45B5-4726-89B5-902F8FC1175C}"/>
+                <a16:creationId xmlns="" xmlns:a16="http://schemas.microsoft.com/office/drawing/2014/main" id="{6436B395-45B5-4726-89B5-902F8FC1175C}"/>
               </a:ext>
             </a:extLst>
           </p:cNvPr>
@@ -19640,7 +19944,7 @@
         <p:spPr>
           <a:xfrm>
             <a:off x="3359696" y="125914"/>
-            <a:ext cx="5029200" cy="566822"/>
+            <a:ext cx="5029200" cy="536044"/>
           </a:xfrm>
           <a:prstGeom prst="rect">
             <a:avLst/>
@@ -19661,32 +19965,131 @@
               </a:spcBef>
             </a:pPr>
             <a:r>
-              <a:rPr lang="en-US" sz="3600" b="0" u="sng" spc="-30" dirty="0">
+              <a:rPr lang="en-US" u="sng" spc="-30" dirty="0">
                 <a:latin typeface="+mn-lt"/>
               </a:rPr>
               <a:t>Single Prediction</a:t>
             </a:r>
-            <a:endParaRPr sz="3600" u="sng" dirty="0">
+            <a:endParaRPr u="sng" dirty="0">
               <a:latin typeface="+mn-lt"/>
               <a:cs typeface="Caladea"/>
             </a:endParaRPr>
+          </a:p>
+        </p:txBody>
+      </p:sp>
+      <p:sp>
+        <p:nvSpPr>
+          <p:cNvPr id="5" name="object 43"/>
+          <p:cNvSpPr txBox="1">
+            <a:spLocks noGrp="1"/>
+          </p:cNvSpPr>
+          <p:nvPr>
+            <p:ph type="sldNum" sz="quarter" idx="7"/>
+          </p:nvPr>
+        </p:nvSpPr>
+        <p:spPr>
+          <a:xfrm>
+            <a:off x="10367518" y="6620937"/>
+            <a:ext cx="244475" cy="204470"/>
+          </a:xfrm>
+          <a:prstGeom prst="rect">
+            <a:avLst/>
+          </a:prstGeom>
+        </p:spPr>
+        <p:txBody>
+          <a:bodyPr vert="horz" wrap="square" lIns="0" tIns="5080" rIns="0" bIns="0" rtlCol="0">
+            <a:spAutoFit/>
+          </a:bodyPr>
+          <a:lstStyle/>
+          <a:p>
+            <a:pPr marL="38100">
+              <a:lnSpc>
+                <a:spcPct val="100000"/>
+              </a:lnSpc>
+              <a:spcBef>
+                <a:spcPts val="40"/>
+              </a:spcBef>
+            </a:pPr>
+            <a:fld id="{81D60167-4931-47E6-BA6A-407CBD079E47}" type="slidenum">
+              <a:rPr spc="-5" dirty="0"/>
+              <a:pPr marL="38100">
+                <a:lnSpc>
+                  <a:spcPct val="100000"/>
+                </a:lnSpc>
+                <a:spcBef>
+                  <a:spcPts val="40"/>
+                </a:spcBef>
+              </a:pPr>
+              <a:t>14</a:t>
+            </a:fld>
+            <a:endParaRPr spc="-5" dirty="0"/>
+          </a:p>
+        </p:txBody>
+      </p:sp>
+      <p:sp>
+        <p:nvSpPr>
+          <p:cNvPr id="6" name="Rectangle 5"/>
+          <p:cNvSpPr/>
+          <p:nvPr/>
+        </p:nvSpPr>
+        <p:spPr>
+          <a:xfrm>
+            <a:off x="1447800" y="6581001"/>
+            <a:ext cx="1144737" cy="276999"/>
+          </a:xfrm>
+          <a:prstGeom prst="rect">
+            <a:avLst/>
+          </a:prstGeom>
+        </p:spPr>
+        <p:txBody>
+          <a:bodyPr wrap="none">
+            <a:spAutoFit/>
+          </a:bodyPr>
+          <a:lstStyle/>
+          <a:p>
+            <a:pPr marL="12700">
+              <a:lnSpc>
+                <a:spcPct val="100000"/>
+              </a:lnSpc>
+              <a:spcBef>
+                <a:spcPts val="40"/>
+              </a:spcBef>
+            </a:pPr>
+            <a:r>
+              <a:rPr lang="en-GB" sz="1200" spc="-5" dirty="0" err="1"/>
+              <a:t>Hemant</a:t>
+            </a:r>
+            <a:r>
+              <a:rPr lang="en-GB" sz="1200" spc="-5" dirty="0"/>
+              <a:t> &amp; Jane</a:t>
+            </a:r>
           </a:p>
         </p:txBody>
       </p:sp>
     </p:spTree>
     <p:extLst>
       <p:ext uri="{BB962C8B-B14F-4D97-AF65-F5344CB8AC3E}">
-        <p14:creationId xmlns:p14="http://schemas.microsoft.com/office/powerpoint/2010/main" val="2377121716"/>
+        <p14:creationId xmlns="" xmlns:p14="http://schemas.microsoft.com/office/powerpoint/2010/main" val="2377121716"/>
       </p:ext>
     </p:extLst>
   </p:cSld>
   <p:clrMapOvr>
     <a:masterClrMapping/>
   </p:clrMapOvr>
+  <p:transition spd="med">
+    <p:wedge/>
+  </p:transition>
+  <p:timing>
+    <p:tnLst>
+      <p:par>
+        <p:cTn id="1" dur="indefinite" restart="never" nodeType="tmRoot"/>
+      </p:par>
+    </p:tnLst>
+  </p:timing>
 </p:sld>
 </file>
 
-<file path=ppt/slides/slide14.xml><?xml version="1.0" encoding="utf-8"?>
+<file path=ppt/slides/slide15.xml><?xml version="1.0" encoding="utf-8"?>
 <p:sld xmlns:a="http://schemas.openxmlformats.org/drawingml/2006/main" xmlns:r="http://schemas.openxmlformats.org/officeDocument/2006/relationships" xmlns:p="http://schemas.openxmlformats.org/presentationml/2006/main">
   <p:cSld>
     <p:spTree>
@@ -19708,7 +20111,7 @@
           <p:cNvPr id="4" name="Picture 3">
             <a:extLst>
               <a:ext uri="{FF2B5EF4-FFF2-40B4-BE49-F238E27FC236}">
-                <a16:creationId xmlns:a16="http://schemas.microsoft.com/office/drawing/2014/main" id="{7B252561-A769-47D3-A232-C317AC0E81ED}"/>
+                <a16:creationId xmlns="" xmlns:a16="http://schemas.microsoft.com/office/drawing/2014/main" id="{7B252561-A769-47D3-A232-C317AC0E81ED}"/>
               </a:ext>
             </a:extLst>
           </p:cNvPr>
@@ -19738,7 +20141,7 @@
           <p:cNvPr id="5" name="object 37">
             <a:extLst>
               <a:ext uri="{FF2B5EF4-FFF2-40B4-BE49-F238E27FC236}">
-                <a16:creationId xmlns:a16="http://schemas.microsoft.com/office/drawing/2014/main" id="{8E3D5081-1E0D-4786-9D64-58DE96D24340}"/>
+                <a16:creationId xmlns="" xmlns:a16="http://schemas.microsoft.com/office/drawing/2014/main" id="{8E3D5081-1E0D-4786-9D64-58DE96D24340}"/>
               </a:ext>
             </a:extLst>
           </p:cNvPr>
@@ -19752,7 +20155,7 @@
         <p:spPr>
           <a:xfrm>
             <a:off x="3359696" y="125914"/>
-            <a:ext cx="5029200" cy="566822"/>
+            <a:ext cx="5029200" cy="536044"/>
           </a:xfrm>
           <a:prstGeom prst="rect">
             <a:avLst/>
@@ -19773,32 +20176,131 @@
               </a:spcBef>
             </a:pPr>
             <a:r>
-              <a:rPr lang="en-US" sz="3600" b="0" u="sng" spc="-30" dirty="0">
+              <a:rPr lang="en-US" u="sng" spc="-30" dirty="0">
                 <a:latin typeface="+mn-lt"/>
               </a:rPr>
               <a:t>Bulk Prediction</a:t>
             </a:r>
-            <a:endParaRPr sz="3600" u="sng" dirty="0">
+            <a:endParaRPr u="sng" dirty="0">
               <a:latin typeface="+mn-lt"/>
               <a:cs typeface="Caladea"/>
             </a:endParaRPr>
+          </a:p>
+        </p:txBody>
+      </p:sp>
+      <p:sp>
+        <p:nvSpPr>
+          <p:cNvPr id="6" name="object 43"/>
+          <p:cNvSpPr txBox="1">
+            <a:spLocks noGrp="1"/>
+          </p:cNvSpPr>
+          <p:nvPr>
+            <p:ph type="sldNum" sz="quarter" idx="7"/>
+          </p:nvPr>
+        </p:nvSpPr>
+        <p:spPr>
+          <a:xfrm>
+            <a:off x="10367518" y="6620937"/>
+            <a:ext cx="244475" cy="204470"/>
+          </a:xfrm>
+          <a:prstGeom prst="rect">
+            <a:avLst/>
+          </a:prstGeom>
+        </p:spPr>
+        <p:txBody>
+          <a:bodyPr vert="horz" wrap="square" lIns="0" tIns="5080" rIns="0" bIns="0" rtlCol="0">
+            <a:spAutoFit/>
+          </a:bodyPr>
+          <a:lstStyle/>
+          <a:p>
+            <a:pPr marL="38100">
+              <a:lnSpc>
+                <a:spcPct val="100000"/>
+              </a:lnSpc>
+              <a:spcBef>
+                <a:spcPts val="40"/>
+              </a:spcBef>
+            </a:pPr>
+            <a:fld id="{81D60167-4931-47E6-BA6A-407CBD079E47}" type="slidenum">
+              <a:rPr spc="-5" dirty="0"/>
+              <a:pPr marL="38100">
+                <a:lnSpc>
+                  <a:spcPct val="100000"/>
+                </a:lnSpc>
+                <a:spcBef>
+                  <a:spcPts val="40"/>
+                </a:spcBef>
+              </a:pPr>
+              <a:t>15</a:t>
+            </a:fld>
+            <a:endParaRPr spc="-5" dirty="0"/>
+          </a:p>
+        </p:txBody>
+      </p:sp>
+      <p:sp>
+        <p:nvSpPr>
+          <p:cNvPr id="7" name="Rectangle 6"/>
+          <p:cNvSpPr/>
+          <p:nvPr/>
+        </p:nvSpPr>
+        <p:spPr>
+          <a:xfrm>
+            <a:off x="1447800" y="6581001"/>
+            <a:ext cx="1144737" cy="276999"/>
+          </a:xfrm>
+          <a:prstGeom prst="rect">
+            <a:avLst/>
+          </a:prstGeom>
+        </p:spPr>
+        <p:txBody>
+          <a:bodyPr wrap="none">
+            <a:spAutoFit/>
+          </a:bodyPr>
+          <a:lstStyle/>
+          <a:p>
+            <a:pPr marL="12700">
+              <a:lnSpc>
+                <a:spcPct val="100000"/>
+              </a:lnSpc>
+              <a:spcBef>
+                <a:spcPts val="40"/>
+              </a:spcBef>
+            </a:pPr>
+            <a:r>
+              <a:rPr lang="en-GB" sz="1200" spc="-5" dirty="0" err="1"/>
+              <a:t>Hemant</a:t>
+            </a:r>
+            <a:r>
+              <a:rPr lang="en-GB" sz="1200" spc="-5" dirty="0"/>
+              <a:t> &amp; Jane</a:t>
+            </a:r>
           </a:p>
         </p:txBody>
       </p:sp>
     </p:spTree>
     <p:extLst>
       <p:ext uri="{BB962C8B-B14F-4D97-AF65-F5344CB8AC3E}">
-        <p14:creationId xmlns:p14="http://schemas.microsoft.com/office/powerpoint/2010/main" val="1761402563"/>
+        <p14:creationId xmlns="" xmlns:p14="http://schemas.microsoft.com/office/powerpoint/2010/main" val="1761402563"/>
       </p:ext>
     </p:extLst>
   </p:cSld>
   <p:clrMapOvr>
     <a:masterClrMapping/>
   </p:clrMapOvr>
+  <p:transition spd="med">
+    <p:zoom/>
+  </p:transition>
+  <p:timing>
+    <p:tnLst>
+      <p:par>
+        <p:cTn id="1" dur="indefinite" restart="never" nodeType="tmRoot"/>
+      </p:par>
+    </p:tnLst>
+  </p:timing>
 </p:sld>
 </file>
 
-<file path=ppt/slides/slide15.xml><?xml version="1.0" encoding="utf-8"?>
+<file path=ppt/slides/slide16.xml><?xml version="1.0" encoding="utf-8"?>
 <p:sld xmlns:a="http://schemas.openxmlformats.org/drawingml/2006/main" xmlns:r="http://schemas.openxmlformats.org/officeDocument/2006/relationships" xmlns:p="http://schemas.openxmlformats.org/presentationml/2006/main">
   <p:cSld>
     <p:spTree>
@@ -19820,7 +20322,7 @@
           <p:cNvPr id="5" name="object 37">
             <a:extLst>
               <a:ext uri="{FF2B5EF4-FFF2-40B4-BE49-F238E27FC236}">
-                <a16:creationId xmlns:a16="http://schemas.microsoft.com/office/drawing/2014/main" id="{8E3D5081-1E0D-4786-9D64-58DE96D24340}"/>
+                <a16:creationId xmlns="" xmlns:a16="http://schemas.microsoft.com/office/drawing/2014/main" id="{8E3D5081-1E0D-4786-9D64-58DE96D24340}"/>
               </a:ext>
             </a:extLst>
           </p:cNvPr>
@@ -19833,8 +20335,8 @@
         </p:nvSpPr>
         <p:spPr>
           <a:xfrm>
-            <a:off x="3359696" y="125914"/>
-            <a:ext cx="5029200" cy="566822"/>
+            <a:off x="3309918" y="142852"/>
+            <a:ext cx="5029200" cy="536044"/>
           </a:xfrm>
           <a:prstGeom prst="rect">
             <a:avLst/>
@@ -19855,12 +20357,12 @@
               </a:spcBef>
             </a:pPr>
             <a:r>
-              <a:rPr lang="en-US" sz="3600" b="0" u="sng" spc="-30" dirty="0">
+              <a:rPr lang="en-US" u="sng" spc="-30" dirty="0">
                 <a:latin typeface="+mn-lt"/>
               </a:rPr>
               <a:t>Predicted Result</a:t>
             </a:r>
-            <a:endParaRPr sz="3600" u="sng" dirty="0">
+            <a:endParaRPr u="sng" dirty="0">
               <a:latin typeface="+mn-lt"/>
               <a:cs typeface="Caladea"/>
             </a:endParaRPr>
@@ -19872,7 +20374,7 @@
           <p:cNvPr id="2" name="Picture 1">
             <a:extLst>
               <a:ext uri="{FF2B5EF4-FFF2-40B4-BE49-F238E27FC236}">
-                <a16:creationId xmlns:a16="http://schemas.microsoft.com/office/drawing/2014/main" id="{8CC10DEB-D63D-4CF9-A5FD-3CDB499D9AA5}"/>
+                <a16:creationId xmlns="" xmlns:a16="http://schemas.microsoft.com/office/drawing/2014/main" id="{8CC10DEB-D63D-4CF9-A5FD-3CDB499D9AA5}"/>
               </a:ext>
             </a:extLst>
           </p:cNvPr>
@@ -19889,7 +20391,7 @@
         </p:blipFill>
         <p:spPr>
           <a:xfrm>
-            <a:off x="1127448" y="954425"/>
+            <a:off x="1095340" y="785794"/>
             <a:ext cx="10294366" cy="5781534"/>
           </a:xfrm>
           <a:prstGeom prst="rect">
@@ -19897,20 +20399,119 @@
           </a:prstGeom>
         </p:spPr>
       </p:pic>
+      <p:sp>
+        <p:nvSpPr>
+          <p:cNvPr id="4" name="object 43"/>
+          <p:cNvSpPr txBox="1">
+            <a:spLocks noGrp="1"/>
+          </p:cNvSpPr>
+          <p:nvPr>
+            <p:ph type="sldNum" sz="quarter" idx="7"/>
+          </p:nvPr>
+        </p:nvSpPr>
+        <p:spPr>
+          <a:xfrm>
+            <a:off x="10367518" y="6620937"/>
+            <a:ext cx="244475" cy="204470"/>
+          </a:xfrm>
+          <a:prstGeom prst="rect">
+            <a:avLst/>
+          </a:prstGeom>
+        </p:spPr>
+        <p:txBody>
+          <a:bodyPr vert="horz" wrap="square" lIns="0" tIns="5080" rIns="0" bIns="0" rtlCol="0">
+            <a:spAutoFit/>
+          </a:bodyPr>
+          <a:lstStyle/>
+          <a:p>
+            <a:pPr marL="38100">
+              <a:lnSpc>
+                <a:spcPct val="100000"/>
+              </a:lnSpc>
+              <a:spcBef>
+                <a:spcPts val="40"/>
+              </a:spcBef>
+            </a:pPr>
+            <a:fld id="{81D60167-4931-47E6-BA6A-407CBD079E47}" type="slidenum">
+              <a:rPr spc="-5" dirty="0"/>
+              <a:pPr marL="38100">
+                <a:lnSpc>
+                  <a:spcPct val="100000"/>
+                </a:lnSpc>
+                <a:spcBef>
+                  <a:spcPts val="40"/>
+                </a:spcBef>
+              </a:pPr>
+              <a:t>16</a:t>
+            </a:fld>
+            <a:endParaRPr spc="-5" dirty="0"/>
+          </a:p>
+        </p:txBody>
+      </p:sp>
+      <p:sp>
+        <p:nvSpPr>
+          <p:cNvPr id="6" name="Rectangle 5"/>
+          <p:cNvSpPr/>
+          <p:nvPr/>
+        </p:nvSpPr>
+        <p:spPr>
+          <a:xfrm>
+            <a:off x="1447800" y="6581001"/>
+            <a:ext cx="1144737" cy="276999"/>
+          </a:xfrm>
+          <a:prstGeom prst="rect">
+            <a:avLst/>
+          </a:prstGeom>
+        </p:spPr>
+        <p:txBody>
+          <a:bodyPr wrap="none">
+            <a:spAutoFit/>
+          </a:bodyPr>
+          <a:lstStyle/>
+          <a:p>
+            <a:pPr marL="12700">
+              <a:lnSpc>
+                <a:spcPct val="100000"/>
+              </a:lnSpc>
+              <a:spcBef>
+                <a:spcPts val="40"/>
+              </a:spcBef>
+            </a:pPr>
+            <a:r>
+              <a:rPr lang="en-GB" sz="1200" spc="-5" dirty="0" err="1"/>
+              <a:t>Hemant</a:t>
+            </a:r>
+            <a:r>
+              <a:rPr lang="en-GB" sz="1200" spc="-5" dirty="0"/>
+              <a:t> &amp; Jane</a:t>
+            </a:r>
+          </a:p>
+        </p:txBody>
+      </p:sp>
     </p:spTree>
     <p:extLst>
       <p:ext uri="{BB962C8B-B14F-4D97-AF65-F5344CB8AC3E}">
-        <p14:creationId xmlns:p14="http://schemas.microsoft.com/office/powerpoint/2010/main" val="2385884356"/>
+        <p14:creationId xmlns="" xmlns:p14="http://schemas.microsoft.com/office/powerpoint/2010/main" val="2385884356"/>
       </p:ext>
     </p:extLst>
   </p:cSld>
   <p:clrMapOvr>
     <a:masterClrMapping/>
   </p:clrMapOvr>
+  <p:transition spd="med">
+    <p:split dir="in"/>
+  </p:transition>
+  <p:timing>
+    <p:tnLst>
+      <p:par>
+        <p:cTn id="1" dur="indefinite" restart="never" nodeType="tmRoot"/>
+      </p:par>
+    </p:tnLst>
+  </p:timing>
 </p:sld>
 </file>
 
-<file path=ppt/slides/slide16.xml><?xml version="1.0" encoding="utf-8"?>
+<file path=ppt/slides/slide17.xml><?xml version="1.0" encoding="utf-8"?>
 <p:sld xmlns:a="http://schemas.openxmlformats.org/drawingml/2006/main" xmlns:r="http://schemas.openxmlformats.org/officeDocument/2006/relationships" xmlns:p="http://schemas.openxmlformats.org/presentationml/2006/main">
   <p:cSld>
     <p:spTree>
@@ -20212,7 +20813,7 @@
                 <a:tabLst/>
                 <a:defRPr/>
               </a:pPr>
-              <a:t>16</a:t>
+              <a:t>17</a:t>
             </a:fld>
             <a:endParaRPr kumimoji="0" lang="en-GB" sz="1200" b="0" i="0" u="none" strike="noStrike" kern="1200" cap="none" spc="-5" normalizeH="0" baseline="0" noProof="0" dirty="0">
               <a:ln>
@@ -20351,10 +20952,17 @@
   <p:transition spd="med">
     <p:split dir="in"/>
   </p:transition>
+  <p:timing>
+    <p:tnLst>
+      <p:par>
+        <p:cTn id="1" dur="indefinite" restart="never" nodeType="tmRoot"/>
+      </p:par>
+    </p:tnLst>
+  </p:timing>
 </p:sld>
 </file>
 
-<file path=ppt/slides/slide17.xml><?xml version="1.0" encoding="utf-8"?>
+<file path=ppt/slides/slide18.xml><?xml version="1.0" encoding="utf-8"?>
 <p:sld xmlns:a="http://schemas.openxmlformats.org/drawingml/2006/main" xmlns:r="http://schemas.openxmlformats.org/officeDocument/2006/relationships" xmlns:p="http://schemas.openxmlformats.org/presentationml/2006/main">
   <p:cSld>
     <p:spTree>
@@ -20488,7 +21096,7 @@
                 <a:tabLst/>
                 <a:defRPr/>
               </a:pPr>
-              <a:t>17</a:t>
+              <a:t>18</a:t>
             </a:fld>
             <a:endParaRPr kumimoji="0" lang="en-GB" sz="1200" b="0" i="0" u="none" strike="noStrike" kern="1200" cap="none" spc="-5" normalizeH="0" baseline="0" noProof="0" dirty="0">
               <a:ln>
@@ -20699,10 +21307,17 @@
   <p:transition spd="med">
     <p:split orient="vert" dir="in"/>
   </p:transition>
+  <p:timing>
+    <p:tnLst>
+      <p:par>
+        <p:cTn id="1" dur="indefinite" restart="never" nodeType="tmRoot"/>
+      </p:par>
+    </p:tnLst>
+  </p:timing>
 </p:sld>
 </file>
 
-<file path=ppt/slides/slide18.xml><?xml version="1.0" encoding="utf-8"?>
+<file path=ppt/slides/slide19.xml><?xml version="1.0" encoding="utf-8"?>
 <p:sld xmlns:a="http://schemas.openxmlformats.org/drawingml/2006/main" xmlns:r="http://schemas.openxmlformats.org/officeDocument/2006/relationships" xmlns:p="http://schemas.openxmlformats.org/presentationml/2006/main">
   <p:cSld>
     <p:spTree>
@@ -20724,7 +21339,7 @@
           <p:cNvPr id="2" name="Title 1">
             <a:extLst>
               <a:ext uri="{FF2B5EF4-FFF2-40B4-BE49-F238E27FC236}">
-                <a16:creationId xmlns:a16="http://schemas.microsoft.com/office/drawing/2014/main" id="{D78755C9-053F-4B06-AC06-F6EB00DB67DB}"/>
+                <a16:creationId xmlns="" xmlns:a16="http://schemas.microsoft.com/office/drawing/2014/main" id="{D78755C9-053F-4B06-AC06-F6EB00DB67DB}"/>
               </a:ext>
             </a:extLst>
           </p:cNvPr>
@@ -20759,7 +21374,7 @@
           <p:cNvPr id="3" name="Text Placeholder 2">
             <a:extLst>
               <a:ext uri="{FF2B5EF4-FFF2-40B4-BE49-F238E27FC236}">
-                <a16:creationId xmlns:a16="http://schemas.microsoft.com/office/drawing/2014/main" id="{2C832020-C767-4F35-BF67-222F39104691}"/>
+                <a16:creationId xmlns="" xmlns:a16="http://schemas.microsoft.com/office/drawing/2014/main" id="{2C832020-C767-4F35-BF67-222F39104691}"/>
               </a:ext>
             </a:extLst>
           </p:cNvPr>
@@ -21032,7 +21647,7 @@
                   <a:spcPts val="40"/>
                 </a:spcBef>
               </a:pPr>
-              <a:t>18</a:t>
+              <a:t>19</a:t>
             </a:fld>
             <a:endParaRPr spc="-5" dirty="0"/>
           </a:p>
@@ -21041,7 +21656,7 @@
     </p:spTree>
     <p:extLst>
       <p:ext uri="{BB962C8B-B14F-4D97-AF65-F5344CB8AC3E}">
-        <p14:creationId xmlns:p14="http://schemas.microsoft.com/office/powerpoint/2010/main" val="242542250"/>
+        <p14:creationId xmlns="" xmlns:p14="http://schemas.microsoft.com/office/powerpoint/2010/main" val="242542250"/>
       </p:ext>
     </p:extLst>
   </p:cSld>
@@ -21051,294 +21666,13 @@
   <p:transition spd="med">
     <p:split orient="vert"/>
   </p:transition>
-</p:sld>
-</file>
-
-<file path=ppt/slides/slide19.xml><?xml version="1.0" encoding="utf-8"?>
-<p:sld xmlns:a="http://schemas.openxmlformats.org/drawingml/2006/main" xmlns:r="http://schemas.openxmlformats.org/officeDocument/2006/relationships" xmlns:p="http://schemas.openxmlformats.org/presentationml/2006/main">
-  <p:cSld>
-    <p:spTree>
-      <p:nvGrpSpPr>
-        <p:cNvPr id="1" name=""/>
-        <p:cNvGrpSpPr/>
-        <p:nvPr/>
-      </p:nvGrpSpPr>
-      <p:grpSpPr>
-        <a:xfrm>
-          <a:off x="0" y="0"/>
-          <a:ext cx="0" cy="0"/>
-          <a:chOff x="0" y="0"/>
-          <a:chExt cx="0" cy="0"/>
-        </a:xfrm>
-      </p:grpSpPr>
-      <p:sp>
-        <p:nvSpPr>
-          <p:cNvPr id="2" name="Title 1"/>
-          <p:cNvSpPr>
-            <a:spLocks noGrp="1"/>
-          </p:cNvSpPr>
-          <p:nvPr>
-            <p:ph type="title"/>
-          </p:nvPr>
-        </p:nvSpPr>
-        <p:spPr>
-          <a:xfrm>
-            <a:off x="1523968" y="214290"/>
-            <a:ext cx="8986011" cy="523220"/>
-          </a:xfrm>
-        </p:spPr>
-        <p:txBody>
-          <a:bodyPr/>
-          <a:lstStyle/>
-          <a:p>
-            <a:r>
-              <a:rPr lang="en-GB" u="sng" dirty="0">
-                <a:latin typeface="+mn-lt"/>
-              </a:rPr>
-              <a:t>Conclusions</a:t>
-            </a:r>
-          </a:p>
-        </p:txBody>
-      </p:sp>
-      <p:sp>
-        <p:nvSpPr>
-          <p:cNvPr id="3" name="Text Placeholder 2"/>
-          <p:cNvSpPr>
-            <a:spLocks noGrp="1"/>
-          </p:cNvSpPr>
-          <p:nvPr>
-            <p:ph type="body" idx="1"/>
-          </p:nvPr>
-        </p:nvSpPr>
-        <p:spPr>
-          <a:xfrm>
-            <a:off x="1666844" y="1071546"/>
-            <a:ext cx="8886951" cy="4308872"/>
-          </a:xfrm>
-        </p:spPr>
-        <p:txBody>
-          <a:bodyPr/>
-          <a:lstStyle/>
-          <a:p>
-            <a:pPr>
-              <a:buFont typeface="Wingdings" pitchFamily="2" charset="2"/>
-              <a:buChar char="v"/>
-            </a:pPr>
-            <a:r>
-              <a:rPr lang="en-GB" dirty="0">
-                <a:latin typeface="+mn-lt"/>
-              </a:rPr>
-              <a:t> 	Breast cancer if found at an early stage will help save lives of thousands of 	women</a:t>
-            </a:r>
-          </a:p>
-          <a:p>
-            <a:pPr>
-              <a:buFont typeface="Wingdings" pitchFamily="2" charset="2"/>
-              <a:buChar char="v"/>
-            </a:pPr>
-            <a:endParaRPr lang="en-GB" dirty="0">
-              <a:latin typeface="+mn-lt"/>
-            </a:endParaRPr>
-          </a:p>
-          <a:p>
-            <a:pPr>
-              <a:buFont typeface="Wingdings" pitchFamily="2" charset="2"/>
-              <a:buChar char="v"/>
-            </a:pPr>
-            <a:r>
-              <a:rPr lang="en-GB" dirty="0">
-                <a:latin typeface="+mn-lt"/>
-              </a:rPr>
-              <a:t> 	This project helps the patients and doctors to gather as much    	information as they can. </a:t>
-            </a:r>
-          </a:p>
-          <a:p>
-            <a:pPr>
-              <a:buFont typeface="Wingdings" pitchFamily="2" charset="2"/>
-              <a:buChar char="v"/>
-            </a:pPr>
-            <a:endParaRPr lang="en-GB" dirty="0">
-              <a:latin typeface="+mn-lt"/>
-            </a:endParaRPr>
-          </a:p>
-          <a:p>
-            <a:pPr>
-              <a:buFont typeface="Wingdings" pitchFamily="2" charset="2"/>
-              <a:buChar char="v"/>
-            </a:pPr>
-            <a:r>
-              <a:rPr lang="en-GB" dirty="0">
-                <a:latin typeface="+mn-lt"/>
-              </a:rPr>
-              <a:t> 	UCI repository helped us to get the data for this project  done	by us. By using 	machine learning algorithms we will be able to classify and predict the 	cancer into </a:t>
-            </a:r>
-            <a:r>
-              <a:rPr lang="en-GB" b="1" spc="-5" dirty="0">
-                <a:latin typeface="+mn-lt"/>
-                <a:ea typeface="MingLiU_HKSCS-ExtB" pitchFamily="18" charset="-120"/>
-                <a:cs typeface="Myanmar Text"/>
-              </a:rPr>
-              <a:t>Benign</a:t>
-            </a:r>
-            <a:r>
-              <a:rPr lang="en-GB" b="1" dirty="0">
-                <a:latin typeface="+mn-lt"/>
-              </a:rPr>
-              <a:t> </a:t>
-            </a:r>
-            <a:r>
-              <a:rPr lang="en-GB" dirty="0">
-                <a:latin typeface="+mn-lt"/>
-              </a:rPr>
-              <a:t>or </a:t>
-            </a:r>
-            <a:r>
-              <a:rPr lang="en-GB" b="1" dirty="0">
-                <a:latin typeface="+mn-lt"/>
-              </a:rPr>
-              <a:t>Malignant</a:t>
-            </a:r>
-            <a:r>
-              <a:rPr lang="en-GB" dirty="0">
-                <a:latin typeface="+mn-lt"/>
-              </a:rPr>
-              <a:t>.</a:t>
-            </a:r>
-          </a:p>
-          <a:p>
-            <a:pPr>
-              <a:buFont typeface="Wingdings" pitchFamily="2" charset="2"/>
-              <a:buChar char="v"/>
-            </a:pPr>
-            <a:endParaRPr lang="en-GB" dirty="0">
-              <a:latin typeface="+mn-lt"/>
-            </a:endParaRPr>
-          </a:p>
-          <a:p>
-            <a:pPr>
-              <a:buFont typeface="Wingdings" pitchFamily="2" charset="2"/>
-              <a:buChar char="v"/>
-            </a:pPr>
-            <a:r>
-              <a:rPr lang="en-GB" dirty="0">
-                <a:latin typeface="+mn-lt"/>
-              </a:rPr>
-              <a:t> 	In this project, four classification algorithms are used to find the best results 	and Random forest has given the best accuracy of 97%</a:t>
-            </a:r>
-          </a:p>
-          <a:p>
-            <a:pPr>
-              <a:buFont typeface="Wingdings" pitchFamily="2" charset="2"/>
-              <a:buChar char="v"/>
-            </a:pPr>
-            <a:endParaRPr lang="en-GB" dirty="0">
-              <a:latin typeface="+mn-lt"/>
-            </a:endParaRPr>
-          </a:p>
-          <a:p>
-            <a:endParaRPr lang="en-GB" dirty="0">
-              <a:latin typeface="+mn-lt"/>
-            </a:endParaRPr>
-          </a:p>
-        </p:txBody>
-      </p:sp>
-      <p:sp>
-        <p:nvSpPr>
-          <p:cNvPr id="4" name="Rectangle 3"/>
-          <p:cNvSpPr/>
-          <p:nvPr/>
-        </p:nvSpPr>
-        <p:spPr>
-          <a:xfrm>
-            <a:off x="1447800" y="6581001"/>
-            <a:ext cx="1144737" cy="276999"/>
-          </a:xfrm>
-          <a:prstGeom prst="rect">
-            <a:avLst/>
-          </a:prstGeom>
-        </p:spPr>
-        <p:txBody>
-          <a:bodyPr wrap="none">
-            <a:spAutoFit/>
-          </a:bodyPr>
-          <a:lstStyle/>
-          <a:p>
-            <a:pPr marL="12700">
-              <a:lnSpc>
-                <a:spcPct val="100000"/>
-              </a:lnSpc>
-              <a:spcBef>
-                <a:spcPts val="40"/>
-              </a:spcBef>
-            </a:pPr>
-            <a:r>
-              <a:rPr lang="en-GB" sz="1200" spc="-5" dirty="0" err="1"/>
-              <a:t>Hemant</a:t>
-            </a:r>
-            <a:r>
-              <a:rPr lang="en-GB" sz="1200" spc="-5" dirty="0"/>
-              <a:t> &amp; Jane</a:t>
-            </a:r>
-          </a:p>
-        </p:txBody>
-      </p:sp>
-      <p:sp>
-        <p:nvSpPr>
-          <p:cNvPr id="5" name="object 45"/>
-          <p:cNvSpPr txBox="1">
-            <a:spLocks noGrp="1"/>
-          </p:cNvSpPr>
-          <p:nvPr>
-            <p:ph type="sldNum" sz="quarter" idx="7"/>
-          </p:nvPr>
-        </p:nvSpPr>
-        <p:spPr>
-          <a:xfrm>
-            <a:off x="10367518" y="6620937"/>
-            <a:ext cx="244475" cy="204470"/>
-          </a:xfrm>
-          <a:prstGeom prst="rect">
-            <a:avLst/>
-          </a:prstGeom>
-        </p:spPr>
-        <p:txBody>
-          <a:bodyPr vert="horz" wrap="square" lIns="0" tIns="5080" rIns="0" bIns="0" rtlCol="0">
-            <a:spAutoFit/>
-          </a:bodyPr>
-          <a:lstStyle/>
-          <a:p>
-            <a:pPr marL="38100">
-              <a:lnSpc>
-                <a:spcPct val="100000"/>
-              </a:lnSpc>
-              <a:spcBef>
-                <a:spcPts val="40"/>
-              </a:spcBef>
-            </a:pPr>
-            <a:fld id="{81D60167-4931-47E6-BA6A-407CBD079E47}" type="slidenum">
-              <a:rPr spc="-5" dirty="0"/>
-              <a:pPr marL="38100">
-                <a:lnSpc>
-                  <a:spcPct val="100000"/>
-                </a:lnSpc>
-                <a:spcBef>
-                  <a:spcPts val="40"/>
-                </a:spcBef>
-              </a:pPr>
-              <a:t>19</a:t>
-            </a:fld>
-            <a:endParaRPr spc="-5" dirty="0"/>
-          </a:p>
-        </p:txBody>
-      </p:sp>
-    </p:spTree>
-  </p:cSld>
-  <p:clrMapOvr>
-    <a:masterClrMapping/>
-  </p:clrMapOvr>
-  <p:transition spd="med">
-    <p:diamond/>
-  </p:transition>
+  <p:timing>
+    <p:tnLst>
+      <p:par>
+        <p:cTn id="1" dur="indefinite" restart="never" nodeType="tmRoot"/>
+      </p:par>
+    </p:tnLst>
+  </p:timing>
 </p:sld>
 </file>
 
@@ -21568,10 +21902,312 @@
   <p:transition spd="med">
     <p:wedge/>
   </p:transition>
+  <p:timing>
+    <p:tnLst>
+      <p:par>
+        <p:cTn id="1" dur="indefinite" restart="never" nodeType="tmRoot"/>
+      </p:par>
+    </p:tnLst>
+  </p:timing>
 </p:sld>
 </file>
 
 <file path=ppt/slides/slide20.xml><?xml version="1.0" encoding="utf-8"?>
+<p:sld xmlns:a="http://schemas.openxmlformats.org/drawingml/2006/main" xmlns:r="http://schemas.openxmlformats.org/officeDocument/2006/relationships" xmlns:p="http://schemas.openxmlformats.org/presentationml/2006/main">
+  <p:cSld>
+    <p:spTree>
+      <p:nvGrpSpPr>
+        <p:cNvPr id="1" name=""/>
+        <p:cNvGrpSpPr/>
+        <p:nvPr/>
+      </p:nvGrpSpPr>
+      <p:grpSpPr>
+        <a:xfrm>
+          <a:off x="0" y="0"/>
+          <a:ext cx="0" cy="0"/>
+          <a:chOff x="0" y="0"/>
+          <a:chExt cx="0" cy="0"/>
+        </a:xfrm>
+      </p:grpSpPr>
+      <p:sp>
+        <p:nvSpPr>
+          <p:cNvPr id="2" name="Title 1"/>
+          <p:cNvSpPr>
+            <a:spLocks noGrp="1"/>
+          </p:cNvSpPr>
+          <p:nvPr>
+            <p:ph type="title"/>
+          </p:nvPr>
+        </p:nvSpPr>
+        <p:spPr>
+          <a:xfrm>
+            <a:off x="1523968" y="214290"/>
+            <a:ext cx="8986011" cy="523220"/>
+          </a:xfrm>
+        </p:spPr>
+        <p:txBody>
+          <a:bodyPr/>
+          <a:lstStyle/>
+          <a:p>
+            <a:r>
+              <a:rPr lang="en-GB" u="sng" dirty="0">
+                <a:latin typeface="+mn-lt"/>
+              </a:rPr>
+              <a:t>Conclusions</a:t>
+            </a:r>
+          </a:p>
+        </p:txBody>
+      </p:sp>
+      <p:sp>
+        <p:nvSpPr>
+          <p:cNvPr id="3" name="Text Placeholder 2"/>
+          <p:cNvSpPr>
+            <a:spLocks noGrp="1"/>
+          </p:cNvSpPr>
+          <p:nvPr>
+            <p:ph type="body" idx="1"/>
+          </p:nvPr>
+        </p:nvSpPr>
+        <p:spPr>
+          <a:xfrm>
+            <a:off x="1666844" y="1071546"/>
+            <a:ext cx="8886951" cy="4308872"/>
+          </a:xfrm>
+        </p:spPr>
+        <p:txBody>
+          <a:bodyPr/>
+          <a:lstStyle/>
+          <a:p>
+            <a:pPr>
+              <a:buFont typeface="Wingdings" pitchFamily="2" charset="2"/>
+              <a:buChar char="v"/>
+            </a:pPr>
+            <a:r>
+              <a:rPr lang="en-GB" dirty="0">
+                <a:latin typeface="+mn-lt"/>
+              </a:rPr>
+              <a:t> 	Breast cancer if found at an early stage will help save lives of thousands of 	women</a:t>
+            </a:r>
+          </a:p>
+          <a:p>
+            <a:pPr>
+              <a:buFont typeface="Wingdings" pitchFamily="2" charset="2"/>
+              <a:buChar char="v"/>
+            </a:pPr>
+            <a:endParaRPr lang="en-GB" dirty="0">
+              <a:latin typeface="+mn-lt"/>
+            </a:endParaRPr>
+          </a:p>
+          <a:p>
+            <a:pPr>
+              <a:buFont typeface="Wingdings" pitchFamily="2" charset="2"/>
+              <a:buChar char="v"/>
+            </a:pPr>
+            <a:r>
+              <a:rPr lang="en-GB" dirty="0">
+                <a:latin typeface="+mn-lt"/>
+              </a:rPr>
+              <a:t> 	This project helps the patients and doctors to gather as much    	information as they can. </a:t>
+            </a:r>
+          </a:p>
+          <a:p>
+            <a:pPr>
+              <a:buFont typeface="Wingdings" pitchFamily="2" charset="2"/>
+              <a:buChar char="v"/>
+            </a:pPr>
+            <a:endParaRPr lang="en-GB" dirty="0">
+              <a:latin typeface="+mn-lt"/>
+            </a:endParaRPr>
+          </a:p>
+          <a:p>
+            <a:pPr>
+              <a:buFont typeface="Wingdings" pitchFamily="2" charset="2"/>
+              <a:buChar char="v"/>
+            </a:pPr>
+            <a:r>
+              <a:rPr lang="en-GB" dirty="0">
+                <a:latin typeface="+mn-lt"/>
+              </a:rPr>
+              <a:t> 	UCI repository helped us to get the data for this project  done	by us. By using 	machine learning algorithms we will be able to classify and predict the 	cancer into </a:t>
+            </a:r>
+            <a:r>
+              <a:rPr lang="en-GB" b="1" spc="-5" dirty="0">
+                <a:latin typeface="+mn-lt"/>
+                <a:ea typeface="MingLiU_HKSCS-ExtB" pitchFamily="18" charset="-120"/>
+                <a:cs typeface="Myanmar Text"/>
+              </a:rPr>
+              <a:t>Benign</a:t>
+            </a:r>
+            <a:r>
+              <a:rPr lang="en-GB" b="1" dirty="0">
+                <a:latin typeface="+mn-lt"/>
+              </a:rPr>
+              <a:t> </a:t>
+            </a:r>
+            <a:r>
+              <a:rPr lang="en-GB" dirty="0">
+                <a:latin typeface="+mn-lt"/>
+              </a:rPr>
+              <a:t>or </a:t>
+            </a:r>
+            <a:r>
+              <a:rPr lang="en-GB" b="1" dirty="0">
+                <a:latin typeface="+mn-lt"/>
+              </a:rPr>
+              <a:t>Malignant</a:t>
+            </a:r>
+            <a:r>
+              <a:rPr lang="en-GB" dirty="0">
+                <a:latin typeface="+mn-lt"/>
+              </a:rPr>
+              <a:t>.</a:t>
+            </a:r>
+          </a:p>
+          <a:p>
+            <a:pPr>
+              <a:buFont typeface="Wingdings" pitchFamily="2" charset="2"/>
+              <a:buChar char="v"/>
+            </a:pPr>
+            <a:endParaRPr lang="en-GB" dirty="0">
+              <a:latin typeface="+mn-lt"/>
+            </a:endParaRPr>
+          </a:p>
+          <a:p>
+            <a:pPr>
+              <a:buFont typeface="Wingdings" pitchFamily="2" charset="2"/>
+              <a:buChar char="v"/>
+            </a:pPr>
+            <a:r>
+              <a:rPr lang="en-GB" dirty="0">
+                <a:latin typeface="+mn-lt"/>
+              </a:rPr>
+              <a:t> 	In this project, four classification algorithms are used to find the best results 	and Random forest has given the best accuracy of 97%</a:t>
+            </a:r>
+          </a:p>
+          <a:p>
+            <a:pPr>
+              <a:buFont typeface="Wingdings" pitchFamily="2" charset="2"/>
+              <a:buChar char="v"/>
+            </a:pPr>
+            <a:endParaRPr lang="en-GB" dirty="0">
+              <a:latin typeface="+mn-lt"/>
+            </a:endParaRPr>
+          </a:p>
+          <a:p>
+            <a:endParaRPr lang="en-GB" dirty="0">
+              <a:latin typeface="+mn-lt"/>
+            </a:endParaRPr>
+          </a:p>
+        </p:txBody>
+      </p:sp>
+      <p:sp>
+        <p:nvSpPr>
+          <p:cNvPr id="4" name="Rectangle 3"/>
+          <p:cNvSpPr/>
+          <p:nvPr/>
+        </p:nvSpPr>
+        <p:spPr>
+          <a:xfrm>
+            <a:off x="1447800" y="6581001"/>
+            <a:ext cx="1144737" cy="276999"/>
+          </a:xfrm>
+          <a:prstGeom prst="rect">
+            <a:avLst/>
+          </a:prstGeom>
+        </p:spPr>
+        <p:txBody>
+          <a:bodyPr wrap="none">
+            <a:spAutoFit/>
+          </a:bodyPr>
+          <a:lstStyle/>
+          <a:p>
+            <a:pPr marL="12700">
+              <a:lnSpc>
+                <a:spcPct val="100000"/>
+              </a:lnSpc>
+              <a:spcBef>
+                <a:spcPts val="40"/>
+              </a:spcBef>
+            </a:pPr>
+            <a:r>
+              <a:rPr lang="en-GB" sz="1200" spc="-5" dirty="0" err="1"/>
+              <a:t>Hemant</a:t>
+            </a:r>
+            <a:r>
+              <a:rPr lang="en-GB" sz="1200" spc="-5" dirty="0"/>
+              <a:t> &amp; Jane</a:t>
+            </a:r>
+          </a:p>
+        </p:txBody>
+      </p:sp>
+      <p:sp>
+        <p:nvSpPr>
+          <p:cNvPr id="5" name="object 45"/>
+          <p:cNvSpPr txBox="1">
+            <a:spLocks noGrp="1"/>
+          </p:cNvSpPr>
+          <p:nvPr>
+            <p:ph type="sldNum" sz="quarter" idx="7"/>
+          </p:nvPr>
+        </p:nvSpPr>
+        <p:spPr>
+          <a:xfrm>
+            <a:off x="10367518" y="6620937"/>
+            <a:ext cx="244475" cy="204470"/>
+          </a:xfrm>
+          <a:prstGeom prst="rect">
+            <a:avLst/>
+          </a:prstGeom>
+        </p:spPr>
+        <p:txBody>
+          <a:bodyPr vert="horz" wrap="square" lIns="0" tIns="5080" rIns="0" bIns="0" rtlCol="0">
+            <a:spAutoFit/>
+          </a:bodyPr>
+          <a:lstStyle/>
+          <a:p>
+            <a:pPr marL="38100">
+              <a:lnSpc>
+                <a:spcPct val="100000"/>
+              </a:lnSpc>
+              <a:spcBef>
+                <a:spcPts val="40"/>
+              </a:spcBef>
+            </a:pPr>
+            <a:fld id="{81D60167-4931-47E6-BA6A-407CBD079E47}" type="slidenum">
+              <a:rPr spc="-5" dirty="0"/>
+              <a:pPr marL="38100">
+                <a:lnSpc>
+                  <a:spcPct val="100000"/>
+                </a:lnSpc>
+                <a:spcBef>
+                  <a:spcPts val="40"/>
+                </a:spcBef>
+              </a:pPr>
+              <a:t>20</a:t>
+            </a:fld>
+            <a:endParaRPr spc="-5" dirty="0"/>
+          </a:p>
+        </p:txBody>
+      </p:sp>
+    </p:spTree>
+  </p:cSld>
+  <p:clrMapOvr>
+    <a:masterClrMapping/>
+  </p:clrMapOvr>
+  <p:transition spd="med">
+    <p:diamond/>
+  </p:transition>
+  <p:timing>
+    <p:tnLst>
+      <p:par>
+        <p:cTn id="1" dur="indefinite" restart="never" nodeType="tmRoot"/>
+      </p:par>
+    </p:tnLst>
+  </p:timing>
+</p:sld>
+</file>
+
+<file path=ppt/slides/slide21.xml><?xml version="1.0" encoding="utf-8"?>
 <p:sld xmlns:a="http://schemas.openxmlformats.org/drawingml/2006/main" xmlns:r="http://schemas.openxmlformats.org/officeDocument/2006/relationships" xmlns:p="http://schemas.openxmlformats.org/presentationml/2006/main">
   <p:cSld>
     <p:spTree>
@@ -21819,7 +22455,7 @@
                   <a:spcPts val="40"/>
                 </a:spcBef>
               </a:pPr>
-              <a:t>20</a:t>
+              <a:t>21</a:t>
             </a:fld>
             <a:endParaRPr spc="-5" dirty="0"/>
           </a:p>
@@ -21833,10 +22469,17 @@
   <p:transition spd="med">
     <p:cover dir="u"/>
   </p:transition>
+  <p:timing>
+    <p:tnLst>
+      <p:par>
+        <p:cTn id="1" dur="indefinite" restart="never" nodeType="tmRoot"/>
+      </p:par>
+    </p:tnLst>
+  </p:timing>
 </p:sld>
 </file>
 
-<file path=ppt/slides/slide21.xml><?xml version="1.0" encoding="utf-8"?>
+<file path=ppt/slides/slide22.xml><?xml version="1.0" encoding="utf-8"?>
 <p:sld xmlns:a="http://schemas.openxmlformats.org/drawingml/2006/main" xmlns:r="http://schemas.openxmlformats.org/officeDocument/2006/relationships" xmlns:p="http://schemas.openxmlformats.org/presentationml/2006/main">
   <p:cSld>
     <p:spTree>
@@ -22178,7 +22821,7 @@
                   <a:spcPts val="40"/>
                 </a:spcBef>
               </a:pPr>
-              <a:t>21</a:t>
+              <a:t>22</a:t>
             </a:fld>
             <a:endParaRPr spc="-5" dirty="0"/>
           </a:p>
@@ -22192,10 +22835,17 @@
   <p:transition spd="med">
     <p:plus/>
   </p:transition>
+  <p:timing>
+    <p:tnLst>
+      <p:par>
+        <p:cTn id="1" dur="indefinite" restart="never" nodeType="tmRoot"/>
+      </p:par>
+    </p:tnLst>
+  </p:timing>
 </p:sld>
 </file>
 
-<file path=ppt/slides/slide22.xml><?xml version="1.0" encoding="utf-8"?>
+<file path=ppt/slides/slide23.xml><?xml version="1.0" encoding="utf-8"?>
 <p:sld xmlns:a="http://schemas.openxmlformats.org/drawingml/2006/main" xmlns:r="http://schemas.openxmlformats.org/officeDocument/2006/relationships" xmlns:p="http://schemas.openxmlformats.org/presentationml/2006/main">
   <p:cSld>
     <p:spTree>
@@ -22251,7 +22901,7 @@
                   <a:spcPts val="40"/>
                 </a:spcBef>
               </a:pPr>
-              <a:t>22</a:t>
+              <a:t>23</a:t>
             </a:fld>
             <a:endParaRPr spc="-5" dirty="0"/>
           </a:p>
@@ -22313,6 +22963,13 @@
   <p:transition spd="med">
     <p:newsflash/>
   </p:transition>
+  <p:timing>
+    <p:tnLst>
+      <p:par>
+        <p:cTn id="1" dur="indefinite" restart="never" nodeType="tmRoot"/>
+      </p:par>
+    </p:tnLst>
+  </p:timing>
 </p:sld>
 </file>
 
@@ -22805,6 +23462,13 @@
   <p:transition spd="med">
     <p:wipe dir="r"/>
   </p:transition>
+  <p:timing>
+    <p:tnLst>
+      <p:par>
+        <p:cTn id="1" dur="indefinite" restart="never" nodeType="tmRoot"/>
+      </p:par>
+    </p:tnLst>
+  </p:timing>
 </p:sld>
 </file>
 
@@ -23129,6 +23793,13 @@
   <p:transition spd="med">
     <p:wipe/>
   </p:transition>
+  <p:timing>
+    <p:tnLst>
+      <p:par>
+        <p:cTn id="1" dur="indefinite" restart="never" nodeType="tmRoot"/>
+      </p:par>
+    </p:tnLst>
+  </p:timing>
 </p:sld>
 </file>
 
@@ -23307,6 +23978,13 @@
   <p:transition spd="med">
     <p:wipe dir="u"/>
   </p:transition>
+  <p:timing>
+    <p:tnLst>
+      <p:par>
+        <p:cTn id="1" dur="indefinite" restart="never" nodeType="tmRoot"/>
+      </p:par>
+    </p:tnLst>
+  </p:timing>
 </p:sld>
 </file>
 
@@ -23332,7 +24010,7 @@
           <p:cNvPr id="3" name="Text Placeholder 2">
             <a:extLst>
               <a:ext uri="{FF2B5EF4-FFF2-40B4-BE49-F238E27FC236}">
-                <a16:creationId xmlns:a16="http://schemas.microsoft.com/office/drawing/2014/main" id="{D03B2B98-9CBB-42B4-97D6-2030004BE74B}"/>
+                <a16:creationId xmlns="" xmlns:a16="http://schemas.microsoft.com/office/drawing/2014/main" id="{D03B2B98-9CBB-42B4-97D6-2030004BE74B}"/>
               </a:ext>
             </a:extLst>
           </p:cNvPr>
@@ -23515,7 +24193,7 @@
           <p:cNvPr id="4" name="Title 1">
             <a:extLst>
               <a:ext uri="{FF2B5EF4-FFF2-40B4-BE49-F238E27FC236}">
-                <a16:creationId xmlns:a16="http://schemas.microsoft.com/office/drawing/2014/main" id="{5115E20E-D4AE-4AEF-A001-3A2C9C8BE74B}"/>
+                <a16:creationId xmlns="" xmlns:a16="http://schemas.microsoft.com/office/drawing/2014/main" id="{5115E20E-D4AE-4AEF-A001-3A2C9C8BE74B}"/>
               </a:ext>
             </a:extLst>
           </p:cNvPr>
@@ -23547,6 +24225,12 @@
                 <a:latin typeface="+mn-lt"/>
               </a:rPr>
             </a:br>
+            <a:r>
+              <a:rPr lang="en-GB" u="sng" dirty="0">
+                <a:latin typeface="+mn-lt"/>
+              </a:rPr>
+              <a:t/>
+            </a:r>
             <a:br>
               <a:rPr lang="en-GB" u="sng" dirty="0">
                 <a:latin typeface="+mn-lt"/>
@@ -23650,7 +24334,7 @@
     </p:spTree>
     <p:extLst>
       <p:ext uri="{BB962C8B-B14F-4D97-AF65-F5344CB8AC3E}">
-        <p14:creationId xmlns:p14="http://schemas.microsoft.com/office/powerpoint/2010/main" val="3590634898"/>
+        <p14:creationId xmlns="" xmlns:p14="http://schemas.microsoft.com/office/powerpoint/2010/main" val="3590634898"/>
       </p:ext>
     </p:extLst>
   </p:cSld>
@@ -23660,6 +24344,13 @@
   <p:transition spd="med">
     <p:pull dir="ld"/>
   </p:transition>
+  <p:timing>
+    <p:tnLst>
+      <p:par>
+        <p:cTn id="1" dur="indefinite" restart="never" nodeType="tmRoot"/>
+      </p:par>
+    </p:tnLst>
+  </p:timing>
 </p:sld>
 </file>
 
@@ -26812,6 +27503,13 @@
   <p:transition spd="med">
     <p:pull dir="lu"/>
   </p:transition>
+  <p:timing>
+    <p:tnLst>
+      <p:par>
+        <p:cTn id="1" dur="indefinite" restart="never" nodeType="tmRoot"/>
+      </p:par>
+    </p:tnLst>
+  </p:timing>
 </p:sld>
 </file>
 
@@ -26963,7 +27661,7 @@
           <a:blip r:embed="rId2">
             <a:extLst>
               <a:ext uri="{28A0092B-C50C-407E-A947-70E740481C1C}">
-                <a14:useLocalDpi xmlns:a14="http://schemas.microsoft.com/office/drawing/2010/main" val="0"/>
+                <a14:useLocalDpi xmlns="" xmlns:a14="http://schemas.microsoft.com/office/drawing/2010/main" val="0"/>
               </a:ext>
             </a:extLst>
           </a:blip>
@@ -27034,6 +27732,13 @@
   <p:transition spd="med">
     <p:wheel spokes="8"/>
   </p:transition>
+  <p:timing>
+    <p:tnLst>
+      <p:par>
+        <p:cTn id="1" dur="indefinite" restart="never" nodeType="tmRoot"/>
+      </p:par>
+    </p:tnLst>
+  </p:timing>
 </p:sld>
 </file>
 
@@ -27221,6 +27926,13 @@
   <p:transition spd="med">
     <p:comb/>
   </p:transition>
+  <p:timing>
+    <p:tnLst>
+      <p:par>
+        <p:cTn id="1" dur="indefinite" restart="never" nodeType="tmRoot"/>
+      </p:par>
+    </p:tnLst>
+  </p:timing>
 </p:sld>
 </file>
 
